--- a/doc/AufforstungMischwald.pptx
+++ b/doc/AufforstungMischwald.pptx
@@ -18,7 +18,7 @@
     <p:sldId id="265" r:id="rId9"/>
   </p:sldIdLst>
   <p:sldSz cx="9144000" cy="6858000" type="screen4x3"/>
-  <p:notesSz cx="6858000" cy="9144000"/>
+  <p:notesSz cx="6950075" cy="4267200"/>
   <p:defaultTextStyle>
     <a:defPPr>
       <a:defRPr lang="de-DE"/>
@@ -152,17 +152,17 @@
         <p:spPr>
           <a:xfrm>
             <a:off x="0" y="0"/>
-            <a:ext cx="2971800" cy="457200"/>
+            <a:ext cx="3011699" cy="213360"/>
           </a:xfrm>
           <a:prstGeom prst="rect">
             <a:avLst/>
           </a:prstGeom>
         </p:spPr>
         <p:txBody>
-          <a:bodyPr vert="horz" lIns="91440" tIns="45720" rIns="91440" bIns="45720" rtlCol="0"/>
+          <a:bodyPr vert="horz" lIns="64090" tIns="32045" rIns="64090" bIns="32045" rtlCol="0"/>
           <a:lstStyle>
             <a:lvl1pPr algn="l">
-              <a:defRPr sz="1200"/>
+              <a:defRPr sz="800"/>
             </a:lvl1pPr>
           </a:lstStyle>
           <a:p>
@@ -182,18 +182,18 @@
         </p:nvSpPr>
         <p:spPr>
           <a:xfrm>
-            <a:off x="3884613" y="0"/>
-            <a:ext cx="2971800" cy="457200"/>
+            <a:off x="3936768" y="0"/>
+            <a:ext cx="3011699" cy="213360"/>
           </a:xfrm>
           <a:prstGeom prst="rect">
             <a:avLst/>
           </a:prstGeom>
         </p:spPr>
         <p:txBody>
-          <a:bodyPr vert="horz" lIns="91440" tIns="45720" rIns="91440" bIns="45720" rtlCol="0"/>
+          <a:bodyPr vert="horz" lIns="64090" tIns="32045" rIns="64090" bIns="32045" rtlCol="0"/>
           <a:lstStyle>
             <a:lvl1pPr algn="r">
-              <a:defRPr sz="1200"/>
+              <a:defRPr sz="800"/>
             </a:lvl1pPr>
           </a:lstStyle>
           <a:p>
@@ -217,8 +217,8 @@
         </p:nvSpPr>
         <p:spPr>
           <a:xfrm>
-            <a:off x="1143000" y="685800"/>
-            <a:ext cx="4572000" cy="3429000"/>
+            <a:off x="2408238" y="320675"/>
+            <a:ext cx="2133600" cy="1600200"/>
           </a:xfrm>
           <a:prstGeom prst="rect">
             <a:avLst/>
@@ -231,7 +231,7 @@
           </a:ln>
         </p:spPr>
         <p:txBody>
-          <a:bodyPr vert="horz" lIns="91440" tIns="45720" rIns="91440" bIns="45720" rtlCol="0" anchor="ctr"/>
+          <a:bodyPr vert="horz" lIns="64090" tIns="32045" rIns="64090" bIns="32045" rtlCol="0" anchor="ctr"/>
           <a:lstStyle/>
           <a:p>
             <a:endParaRPr lang="de-DE"/>
@@ -250,15 +250,15 @@
         </p:nvSpPr>
         <p:spPr>
           <a:xfrm>
-            <a:off x="685800" y="4343400"/>
-            <a:ext cx="5486400" cy="4114800"/>
+            <a:off x="695008" y="2026920"/>
+            <a:ext cx="5560060" cy="1920240"/>
           </a:xfrm>
           <a:prstGeom prst="rect">
             <a:avLst/>
           </a:prstGeom>
         </p:spPr>
         <p:txBody>
-          <a:bodyPr vert="horz" lIns="91440" tIns="45720" rIns="91440" bIns="45720" rtlCol="0"/>
+          <a:bodyPr vert="horz" lIns="64090" tIns="32045" rIns="64090" bIns="32045" rtlCol="0"/>
           <a:lstStyle/>
           <a:p>
             <a:pPr lvl="0"/>
@@ -310,18 +310,18 @@
         </p:nvSpPr>
         <p:spPr>
           <a:xfrm>
-            <a:off x="0" y="8685213"/>
-            <a:ext cx="2971800" cy="457200"/>
+            <a:off x="0" y="4053100"/>
+            <a:ext cx="3011699" cy="213360"/>
           </a:xfrm>
           <a:prstGeom prst="rect">
             <a:avLst/>
           </a:prstGeom>
         </p:spPr>
         <p:txBody>
-          <a:bodyPr vert="horz" lIns="91440" tIns="45720" rIns="91440" bIns="45720" rtlCol="0" anchor="b"/>
+          <a:bodyPr vert="horz" lIns="64090" tIns="32045" rIns="64090" bIns="32045" rtlCol="0" anchor="b"/>
           <a:lstStyle>
             <a:lvl1pPr algn="l">
-              <a:defRPr sz="1200"/>
+              <a:defRPr sz="800"/>
             </a:lvl1pPr>
           </a:lstStyle>
           <a:p>
@@ -341,18 +341,18 @@
         </p:nvSpPr>
         <p:spPr>
           <a:xfrm>
-            <a:off x="3884613" y="8685213"/>
-            <a:ext cx="2971800" cy="457200"/>
+            <a:off x="3936768" y="4053100"/>
+            <a:ext cx="3011699" cy="213360"/>
           </a:xfrm>
           <a:prstGeom prst="rect">
             <a:avLst/>
           </a:prstGeom>
         </p:spPr>
         <p:txBody>
-          <a:bodyPr vert="horz" lIns="91440" tIns="45720" rIns="91440" bIns="45720" rtlCol="0" anchor="b"/>
+          <a:bodyPr vert="horz" lIns="64090" tIns="32045" rIns="64090" bIns="32045" rtlCol="0" anchor="b"/>
           <a:lstStyle>
             <a:lvl1pPr algn="r">
-              <a:defRPr sz="1200"/>
+              <a:defRPr sz="800"/>
             </a:lvl1pPr>
           </a:lstStyle>
           <a:p>
@@ -6843,8 +6843,9 @@
             </a:pPr>
             <a:r>
               <a:rPr lang="de-DE" dirty="0" smtClean="0"/>
-              <a:t>Aufgabenanalyse</a:t>
-            </a:r>
+              <a:t>Aufgabe</a:t>
+            </a:r>
+            <a:endParaRPr lang="de-DE" dirty="0" smtClean="0"/>
           </a:p>
           <a:p>
             <a:pPr marL="514350" indent="-514350">
@@ -7294,9 +7295,10 @@
           <a:lstStyle/>
           <a:p>
             <a:r>
-              <a:rPr lang="de-DE" dirty="0"/>
-              <a:t>Aufgabenanalyse</a:t>
-            </a:r>
+              <a:rPr lang="de-DE" dirty="0" smtClean="0"/>
+              <a:t>Aufgabe</a:t>
+            </a:r>
+            <a:endParaRPr lang="de-DE" dirty="0"/>
           </a:p>
         </p:txBody>
       </p:sp>
@@ -7404,8 +7406,19 @@
           <a:p>
             <a:r>
               <a:rPr lang="de-DE" dirty="0" smtClean="0"/>
-              <a:t>Diversität und Flächenabdeckung gefordert</a:t>
-            </a:r>
+              <a:t>Diversität und Flächenabdeckung </a:t>
+            </a:r>
+            <a:r>
+              <a:rPr lang="de-DE" dirty="0" smtClean="0"/>
+              <a:t>gefordert</a:t>
+            </a:r>
+          </a:p>
+          <a:p>
+            <a:r>
+              <a:rPr lang="de-DE" dirty="0" smtClean="0"/>
+              <a:t>Eingabe als Datei</a:t>
+            </a:r>
+            <a:endParaRPr lang="de-DE" dirty="0" smtClean="0"/>
           </a:p>
           <a:p>
             <a:r>
@@ -8147,6 +8160,55 @@
                       </p:childTnLst>
                     </p:cTn>
                   </p:par>
+                  <p:par>
+                    <p:cTn id="37" fill="hold">
+                      <p:stCondLst>
+                        <p:cond delay="indefinite"/>
+                      </p:stCondLst>
+                      <p:childTnLst>
+                        <p:par>
+                          <p:cTn id="38" fill="hold">
+                            <p:stCondLst>
+                              <p:cond delay="0"/>
+                            </p:stCondLst>
+                            <p:childTnLst>
+                              <p:par>
+                                <p:cTn id="39" presetID="1" presetClass="entr" presetSubtype="0" fill="hold" grpId="0" nodeType="clickEffect">
+                                  <p:stCondLst>
+                                    <p:cond delay="0"/>
+                                  </p:stCondLst>
+                                  <p:childTnLst>
+                                    <p:set>
+                                      <p:cBhvr>
+                                        <p:cTn id="40" dur="1" fill="hold">
+                                          <p:stCondLst>
+                                            <p:cond delay="0"/>
+                                          </p:stCondLst>
+                                        </p:cTn>
+                                        <p:tgtEl>
+                                          <p:spTgt spid="6">
+                                            <p:txEl>
+                                              <p:pRg st="5" end="5"/>
+                                            </p:txEl>
+                                          </p:spTgt>
+                                        </p:tgtEl>
+                                        <p:attrNameLst>
+                                          <p:attrName>style.visibility</p:attrName>
+                                        </p:attrNameLst>
+                                      </p:cBhvr>
+                                      <p:to>
+                                        <p:strVal val="visible"/>
+                                      </p:to>
+                                    </p:set>
+                                  </p:childTnLst>
+                                </p:cTn>
+                              </p:par>
+                            </p:childTnLst>
+                          </p:cTn>
+                        </p:par>
+                      </p:childTnLst>
+                    </p:cTn>
+                  </p:par>
                 </p:childTnLst>
               </p:cTn>
               <p:prevCondLst>
@@ -8306,8 +8368,23 @@
           <a:p>
             <a:r>
               <a:rPr lang="de-DE" dirty="0" smtClean="0"/>
-              <a:t>EVA – Prinzip</a:t>
-            </a:r>
+              <a:t>EVA </a:t>
+            </a:r>
+            <a:r>
+              <a:rPr lang="de-DE" dirty="0" smtClean="0"/>
+              <a:t>– </a:t>
+            </a:r>
+            <a:r>
+              <a:rPr lang="de-DE" dirty="0" smtClean="0"/>
+              <a:t>Prinzip</a:t>
+            </a:r>
+          </a:p>
+          <a:p>
+            <a:r>
+              <a:rPr lang="de-DE" dirty="0" smtClean="0"/>
+              <a:t>3 Schichten-Modell</a:t>
+            </a:r>
+            <a:endParaRPr lang="de-DE" dirty="0" smtClean="0"/>
           </a:p>
           <a:p>
             <a:r>
@@ -8730,6 +8807,55 @@
                       </p:childTnLst>
                     </p:cTn>
                   </p:par>
+                  <p:par>
+                    <p:cTn id="31" fill="hold">
+                      <p:stCondLst>
+                        <p:cond delay="indefinite"/>
+                      </p:stCondLst>
+                      <p:childTnLst>
+                        <p:par>
+                          <p:cTn id="32" fill="hold">
+                            <p:stCondLst>
+                              <p:cond delay="0"/>
+                            </p:stCondLst>
+                            <p:childTnLst>
+                              <p:par>
+                                <p:cTn id="33" presetID="1" presetClass="entr" presetSubtype="0" fill="hold" nodeType="clickEffect">
+                                  <p:stCondLst>
+                                    <p:cond delay="0"/>
+                                  </p:stCondLst>
+                                  <p:childTnLst>
+                                    <p:set>
+                                      <p:cBhvr>
+                                        <p:cTn id="34" dur="1" fill="hold">
+                                          <p:stCondLst>
+                                            <p:cond delay="0"/>
+                                          </p:stCondLst>
+                                        </p:cTn>
+                                        <p:tgtEl>
+                                          <p:spTgt spid="6">
+                                            <p:txEl>
+                                              <p:pRg st="7" end="7"/>
+                                            </p:txEl>
+                                          </p:spTgt>
+                                        </p:tgtEl>
+                                        <p:attrNameLst>
+                                          <p:attrName>style.visibility</p:attrName>
+                                        </p:attrNameLst>
+                                      </p:cBhvr>
+                                      <p:to>
+                                        <p:strVal val="visible"/>
+                                      </p:to>
+                                    </p:set>
+                                  </p:childTnLst>
+                                </p:cTn>
+                              </p:par>
+                            </p:childTnLst>
+                          </p:cTn>
+                        </p:par>
+                      </p:childTnLst>
+                    </p:cTn>
+                  </p:par>
                 </p:childTnLst>
               </p:cTn>
               <p:prevCondLst>
@@ -9227,7 +9353,9 @@
           </a:xfrm>
         </p:spPr>
         <p:txBody>
-          <a:bodyPr/>
+          <a:bodyPr>
+            <a:normAutofit fontScale="92500" lnSpcReduction="10000"/>
+          </a:bodyPr>
           <a:lstStyle/>
           <a:p>
             <a:r>
@@ -9246,8 +9374,19 @@
             <a:pPr lvl="1"/>
             <a:r>
               <a:rPr lang="de-DE" dirty="0"/>
-              <a:t>Radien mit Größenordnungen Abweichung</a:t>
-            </a:r>
+              <a:t>Radien mit Größenordnungen </a:t>
+            </a:r>
+            <a:r>
+              <a:rPr lang="de-DE" dirty="0" smtClean="0"/>
+              <a:t>Abweichung</a:t>
+            </a:r>
+          </a:p>
+          <a:p>
+            <a:r>
+              <a:rPr lang="de-DE" dirty="0" smtClean="0"/>
+              <a:t>Zufällige Kollisionen</a:t>
+            </a:r>
+            <a:endParaRPr lang="de-DE" dirty="0"/>
           </a:p>
           <a:p>
             <a:endParaRPr lang="de-DE" dirty="0"/>
@@ -9546,15 +9685,64 @@
                                   </p:childTnLst>
                                 </p:cTn>
                               </p:par>
+                            </p:childTnLst>
+                          </p:cTn>
+                        </p:par>
+                      </p:childTnLst>
+                    </p:cTn>
+                  </p:par>
+                  <p:par>
+                    <p:cTn id="17" fill="hold">
+                      <p:stCondLst>
+                        <p:cond delay="indefinite"/>
+                      </p:stCondLst>
+                      <p:childTnLst>
+                        <p:par>
+                          <p:cTn id="18" fill="hold">
+                            <p:stCondLst>
+                              <p:cond delay="0"/>
+                            </p:stCondLst>
+                            <p:childTnLst>
                               <p:par>
-                                <p:cTn id="17" presetID="1" presetClass="entr" presetSubtype="0" fill="hold" nodeType="withEffect">
+                                <p:cTn id="19" presetID="1" presetClass="entr" presetSubtype="0" fill="hold" nodeType="clickEffect">
                                   <p:stCondLst>
                                     <p:cond delay="0"/>
                                   </p:stCondLst>
                                   <p:childTnLst>
                                     <p:set>
                                       <p:cBhvr>
-                                        <p:cTn id="18" dur="1" fill="hold">
+                                        <p:cTn id="20" dur="1" fill="hold">
+                                          <p:stCondLst>
+                                            <p:cond delay="0"/>
+                                          </p:stCondLst>
+                                        </p:cTn>
+                                        <p:tgtEl>
+                                          <p:spTgt spid="6">
+                                            <p:txEl>
+                                              <p:pRg st="3" end="3"/>
+                                            </p:txEl>
+                                          </p:spTgt>
+                                        </p:tgtEl>
+                                        <p:attrNameLst>
+                                          <p:attrName>style.visibility</p:attrName>
+                                        </p:attrNameLst>
+                                      </p:cBhvr>
+                                      <p:to>
+                                        <p:strVal val="visible"/>
+                                      </p:to>
+                                    </p:set>
+                                  </p:childTnLst>
+                                </p:cTn>
+                              </p:par>
+                              <p:par>
+                                <p:cTn id="21" presetID="1" presetClass="entr" presetSubtype="0" fill="hold" nodeType="withEffect">
+                                  <p:stCondLst>
+                                    <p:cond delay="0"/>
+                                  </p:stCondLst>
+                                  <p:childTnLst>
+                                    <p:set>
+                                      <p:cBhvr>
+                                        <p:cTn id="22" dur="1" fill="hold">
                                           <p:stCondLst>
                                             <p:cond delay="0"/>
                                           </p:stCondLst>
@@ -9786,7 +9974,7 @@
                             </p:stCondLst>
                             <p:childTnLst>
                               <p:par>
-                                <p:cTn id="5" presetID="1" presetClass="entr" presetSubtype="0" fill="hold" nodeType="clickEffect">
+                                <p:cTn id="5" presetID="1" presetClass="entr" presetSubtype="0" fill="hold" grpId="0" nodeType="clickEffect">
                                   <p:stCondLst>
                                     <p:cond delay="0"/>
                                   </p:stCondLst>
@@ -9816,15 +10004,33 @@
                                   </p:childTnLst>
                                 </p:cTn>
                               </p:par>
+                            </p:childTnLst>
+                          </p:cTn>
+                        </p:par>
+                      </p:childTnLst>
+                    </p:cTn>
+                  </p:par>
+                  <p:par>
+                    <p:cTn id="7" fill="hold">
+                      <p:stCondLst>
+                        <p:cond delay="indefinite"/>
+                      </p:stCondLst>
+                      <p:childTnLst>
+                        <p:par>
+                          <p:cTn id="8" fill="hold">
+                            <p:stCondLst>
+                              <p:cond delay="0"/>
+                            </p:stCondLst>
+                            <p:childTnLst>
                               <p:par>
-                                <p:cTn id="7" presetID="1" presetClass="entr" presetSubtype="0" fill="hold" nodeType="withEffect">
+                                <p:cTn id="9" presetID="1" presetClass="entr" presetSubtype="0" fill="hold" grpId="0" nodeType="clickEffect">
                                   <p:stCondLst>
                                     <p:cond delay="0"/>
                                   </p:stCondLst>
                                   <p:childTnLst>
                                     <p:set>
                                       <p:cBhvr>
-                                        <p:cTn id="8" dur="1" fill="hold">
+                                        <p:cTn id="10" dur="1" fill="hold">
                                           <p:stCondLst>
                                             <p:cond delay="0"/>
                                           </p:stCondLst>
@@ -9847,15 +10053,33 @@
                                   </p:childTnLst>
                                 </p:cTn>
                               </p:par>
+                            </p:childTnLst>
+                          </p:cTn>
+                        </p:par>
+                      </p:childTnLst>
+                    </p:cTn>
+                  </p:par>
+                  <p:par>
+                    <p:cTn id="11" fill="hold">
+                      <p:stCondLst>
+                        <p:cond delay="indefinite"/>
+                      </p:stCondLst>
+                      <p:childTnLst>
+                        <p:par>
+                          <p:cTn id="12" fill="hold">
+                            <p:stCondLst>
+                              <p:cond delay="0"/>
+                            </p:stCondLst>
+                            <p:childTnLst>
                               <p:par>
-                                <p:cTn id="9" presetID="1" presetClass="entr" presetSubtype="0" fill="hold" nodeType="withEffect">
+                                <p:cTn id="13" presetID="1" presetClass="entr" presetSubtype="0" fill="hold" grpId="0" nodeType="clickEffect">
                                   <p:stCondLst>
                                     <p:cond delay="0"/>
                                   </p:stCondLst>
                                   <p:childTnLst>
                                     <p:set>
                                       <p:cBhvr>
-                                        <p:cTn id="10" dur="1" fill="hold">
+                                        <p:cTn id="14" dur="1" fill="hold">
                                           <p:stCondLst>
                                             <p:cond delay="0"/>
                                           </p:stCondLst>
@@ -9905,6 +10129,9 @@
         </p:cTn>
       </p:par>
     </p:tnLst>
+    <p:bldLst>
+      <p:bldP spid="6" grpId="0" build="p"/>
+    </p:bldLst>
   </p:timing>
 </p:sld>
 </file>
@@ -10018,8 +10245,8 @@
           </a:p>
         </p:txBody>
       </p:sp>
-      <mc:AlternateContent xmlns:mc="http://schemas.openxmlformats.org/markup-compatibility/2006">
-        <mc:Choice xmlns:a14="http://schemas.microsoft.com/office/drawing/2010/main" Requires="a14">
+      <mc:AlternateContent xmlns:mc="http://schemas.openxmlformats.org/markup-compatibility/2006" xmlns:a14="http://schemas.microsoft.com/office/drawing/2010/main">
+        <mc:Choice Requires="a14">
           <p:sp>
             <p:nvSpPr>
               <p:cNvPr id="8" name="Inhaltsplatzhalter 7"/>
@@ -10064,7 +10291,7 @@
             </p:txBody>
           </p:sp>
         </mc:Choice>
-        <mc:Fallback>
+        <mc:Fallback xmlns="">
           <p:sp>
             <p:nvSpPr>
               <p:cNvPr id="8" name="Inhaltsplatzhalter 7"/>

--- a/doc/AufforstungMischwald.pptx
+++ b/doc/AufforstungMischwald.pptx
@@ -5,17 +5,18 @@
     <p:sldMasterId id="2147483912" r:id="rId1"/>
   </p:sldMasterIdLst>
   <p:notesMasterIdLst>
-    <p:notesMasterId r:id="rId10"/>
+    <p:notesMasterId r:id="rId11"/>
   </p:notesMasterIdLst>
   <p:sldIdLst>
     <p:sldId id="256" r:id="rId2"/>
     <p:sldId id="257" r:id="rId3"/>
     <p:sldId id="259" r:id="rId4"/>
     <p:sldId id="260" r:id="rId5"/>
-    <p:sldId id="261" r:id="rId6"/>
-    <p:sldId id="263" r:id="rId7"/>
-    <p:sldId id="264" r:id="rId8"/>
-    <p:sldId id="265" r:id="rId9"/>
+    <p:sldId id="266" r:id="rId6"/>
+    <p:sldId id="261" r:id="rId7"/>
+    <p:sldId id="263" r:id="rId8"/>
+    <p:sldId id="264" r:id="rId9"/>
+    <p:sldId id="265" r:id="rId10"/>
   </p:sldIdLst>
   <p:sldSz cx="9144000" cy="6858000" type="screen4x3"/>
   <p:notesSz cx="6950075" cy="4267200"/>
@@ -199,7 +200,7 @@
           <a:p>
             <a:fld id="{AA745F7E-37F5-4796-8A99-BF0E98B567B5}" type="datetimeFigureOut">
               <a:rPr lang="de-DE" smtClean="0"/>
-              <a:t>26.01.2015</a:t>
+              <a:t>27.01.2015</a:t>
             </a:fld>
             <a:endParaRPr lang="de-DE"/>
           </a:p>
@@ -544,7 +545,7 @@
           <a:p>
             <a:fld id="{5A0F4DEB-2C26-489D-8E7D-AE0498CE98FB}" type="slidenum">
               <a:rPr lang="de-DE" smtClean="0"/>
-              <a:t>8</a:t>
+              <a:t>9</a:t>
             </a:fld>
             <a:endParaRPr lang="de-DE"/>
           </a:p>
@@ -6845,7 +6846,6 @@
               <a:rPr lang="de-DE" dirty="0" smtClean="0"/>
               <a:t>Aufgabe</a:t>
             </a:r>
-            <a:endParaRPr lang="de-DE" dirty="0" smtClean="0"/>
           </a:p>
           <a:p>
             <a:pPr marL="514350" indent="-514350">
@@ -7406,11 +7406,7 @@
           <a:p>
             <a:r>
               <a:rPr lang="de-DE" dirty="0" smtClean="0"/>
-              <a:t>Diversität und Flächenabdeckung </a:t>
-            </a:r>
-            <a:r>
-              <a:rPr lang="de-DE" dirty="0" smtClean="0"/>
-              <a:t>gefordert</a:t>
+              <a:t>Diversität und Flächenabdeckung gefordert</a:t>
             </a:r>
           </a:p>
           <a:p>
@@ -7418,16 +7414,23 @@
               <a:rPr lang="de-DE" dirty="0" smtClean="0"/>
               <a:t>Eingabe als Datei</a:t>
             </a:r>
-            <a:endParaRPr lang="de-DE" dirty="0" smtClean="0"/>
           </a:p>
           <a:p>
             <a:r>
               <a:rPr lang="de-DE" dirty="0" smtClean="0"/>
-              <a:t>Ausgabe in </a:t>
+              <a:t>Ausgabe </a:t>
+            </a:r>
+            <a:r>
+              <a:rPr lang="de-DE" dirty="0" smtClean="0"/>
+              <a:t>als </a:t>
             </a:r>
             <a:r>
               <a:rPr lang="de-DE" dirty="0" err="1" smtClean="0"/>
               <a:t>gnuplot</a:t>
+            </a:r>
+            <a:r>
+              <a:rPr lang="de-DE" dirty="0" smtClean="0"/>
+              <a:t>-Skript</a:t>
             </a:r>
             <a:endParaRPr lang="de-DE" dirty="0"/>
           </a:p>
@@ -7708,6 +7711,60 @@
           </a:fontRef>
         </p:style>
       </p:cxnSp>
+      <p:pic>
+        <p:nvPicPr>
+          <p:cNvPr id="1026" name="Picture 2"/>
+          <p:cNvPicPr>
+            <a:picLocks noChangeAspect="1" noChangeArrowheads="1"/>
+          </p:cNvPicPr>
+          <p:nvPr/>
+        </p:nvPicPr>
+        <p:blipFill>
+          <a:blip r:embed="rId3">
+            <a:extLst>
+              <a:ext uri="{28A0092B-C50C-407E-A947-70E740481C1C}">
+                <a14:useLocalDpi xmlns:a14="http://schemas.microsoft.com/office/drawing/2010/main" val="0"/>
+              </a:ext>
+            </a:extLst>
+          </a:blip>
+          <a:srcRect/>
+          <a:stretch>
+            <a:fillRect/>
+          </a:stretch>
+        </p:blipFill>
+        <p:spPr bwMode="auto">
+          <a:xfrm>
+            <a:off x="4678534" y="2431653"/>
+            <a:ext cx="4175001" cy="2544849"/>
+          </a:xfrm>
+          <a:prstGeom prst="rect">
+            <a:avLst/>
+          </a:prstGeom>
+          <a:noFill/>
+          <a:ln>
+            <a:noFill/>
+          </a:ln>
+          <a:extLst>
+            <a:ext uri="{909E8E84-426E-40DD-AFC4-6F175D3DCCD1}">
+              <a14:hiddenFill xmlns:a14="http://schemas.microsoft.com/office/drawing/2010/main">
+                <a:solidFill>
+                  <a:schemeClr val="accent1"/>
+                </a:solidFill>
+              </a14:hiddenFill>
+            </a:ext>
+            <a:ext uri="{91240B29-F687-4F45-9708-019B960494DF}">
+              <a14:hiddenLine xmlns:a14="http://schemas.microsoft.com/office/drawing/2010/main" w="9525">
+                <a:solidFill>
+                  <a:schemeClr val="tx1"/>
+                </a:solidFill>
+                <a:miter lim="800000"/>
+                <a:headEnd/>
+                <a:tailEnd/>
+              </a14:hiddenLine>
+            </a:ext>
+          </a:extLst>
+        </p:spPr>
+      </p:pic>
     </p:spTree>
     <p:extLst>
       <p:ext uri="{BB962C8B-B14F-4D97-AF65-F5344CB8AC3E}">
@@ -8203,6 +8260,79 @@
                                   </p:childTnLst>
                                 </p:cTn>
                               </p:par>
+                              <p:par>
+                                <p:cTn id="41" presetID="2" presetClass="entr" presetSubtype="2" fill="hold" nodeType="withEffect">
+                                  <p:stCondLst>
+                                    <p:cond delay="0"/>
+                                  </p:stCondLst>
+                                  <p:childTnLst>
+                                    <p:set>
+                                      <p:cBhvr>
+                                        <p:cTn id="42" dur="1" fill="hold">
+                                          <p:stCondLst>
+                                            <p:cond delay="0"/>
+                                          </p:stCondLst>
+                                        </p:cTn>
+                                        <p:tgtEl>
+                                          <p:spTgt spid="1026"/>
+                                        </p:tgtEl>
+                                        <p:attrNameLst>
+                                          <p:attrName>style.visibility</p:attrName>
+                                        </p:attrNameLst>
+                                      </p:cBhvr>
+                                      <p:to>
+                                        <p:strVal val="visible"/>
+                                      </p:to>
+                                    </p:set>
+                                    <p:anim calcmode="lin" valueType="num">
+                                      <p:cBhvr additive="base">
+                                        <p:cTn id="43" dur="500" fill="hold"/>
+                                        <p:tgtEl>
+                                          <p:spTgt spid="1026"/>
+                                        </p:tgtEl>
+                                        <p:attrNameLst>
+                                          <p:attrName>ppt_x</p:attrName>
+                                        </p:attrNameLst>
+                                      </p:cBhvr>
+                                      <p:tavLst>
+                                        <p:tav tm="0">
+                                          <p:val>
+                                            <p:strVal val="1+#ppt_w/2"/>
+                                          </p:val>
+                                        </p:tav>
+                                        <p:tav tm="100000">
+                                          <p:val>
+                                            <p:strVal val="#ppt_x"/>
+                                          </p:val>
+                                        </p:tav>
+                                      </p:tavLst>
+                                    </p:anim>
+                                    <p:anim calcmode="lin" valueType="num">
+                                      <p:cBhvr additive="base">
+                                        <p:cTn id="44" dur="500" fill="hold"/>
+                                        <p:tgtEl>
+                                          <p:spTgt spid="1026"/>
+                                        </p:tgtEl>
+                                        <p:attrNameLst>
+                                          <p:attrName>ppt_y</p:attrName>
+                                        </p:attrNameLst>
+                                      </p:cBhvr>
+                                      <p:tavLst>
+                                        <p:tav tm="0">
+                                          <p:val>
+                                            <p:strVal val="#ppt_y"/>
+                                          </p:val>
+                                        </p:tav>
+                                        <p:tav tm="100000">
+                                          <p:val>
+                                            <p:strVal val="#ppt_y"/>
+                                          </p:val>
+                                        </p:tav>
+                                      </p:tavLst>
+                                    </p:anim>
+                                  </p:childTnLst>
+                                </p:cTn>
+                              </p:par>
                             </p:childTnLst>
                           </p:cTn>
                         </p:par>
@@ -8368,15 +8498,7 @@
           <a:p>
             <a:r>
               <a:rPr lang="de-DE" dirty="0" smtClean="0"/>
-              <a:t>EVA </a:t>
-            </a:r>
-            <a:r>
-              <a:rPr lang="de-DE" dirty="0" smtClean="0"/>
-              <a:t>– </a:t>
-            </a:r>
-            <a:r>
-              <a:rPr lang="de-DE" dirty="0" smtClean="0"/>
-              <a:t>Prinzip</a:t>
+              <a:t>EVA – Prinzip</a:t>
             </a:r>
           </a:p>
           <a:p>
@@ -8384,7 +8506,6 @@
               <a:rPr lang="de-DE" dirty="0" smtClean="0"/>
               <a:t>3 Schichten-Modell</a:t>
             </a:r>
-            <a:endParaRPr lang="de-DE" dirty="0" smtClean="0"/>
           </a:p>
           <a:p>
             <a:r>
@@ -8420,16 +8541,37 @@
               <a:rPr lang="de-DE" dirty="0" smtClean="0">
                 <a:sym typeface="Wingdings" panose="05000000000000000000" pitchFamily="2" charset="2"/>
               </a:rPr>
-              <a:t>Nimm erste oder letzte hinzugekommene Position</a:t>
-            </a:r>
-          </a:p>
-          <a:p>
-            <a:pPr lvl="2"/>
+              <a:t>Nimm erste oder </a:t>
+            </a:r>
             <a:r>
               <a:rPr lang="de-DE" dirty="0" smtClean="0">
                 <a:sym typeface="Wingdings" panose="05000000000000000000" pitchFamily="2" charset="2"/>
               </a:rPr>
-              <a:t>Teste Position mit Baumart mit möglichst größtem Radius und kleinster Anzahl bisher</a:t>
+              <a:t>letzte der vorhandenen Positionen</a:t>
+            </a:r>
+            <a:endParaRPr lang="de-DE" dirty="0" smtClean="0">
+              <a:sym typeface="Wingdings" panose="05000000000000000000" pitchFamily="2" charset="2"/>
+            </a:endParaRPr>
+          </a:p>
+          <a:p>
+            <a:pPr lvl="2"/>
+            <a:r>
+              <a:rPr lang="de-DE" dirty="0" smtClean="0">
+                <a:sym typeface="Wingdings" panose="05000000000000000000" pitchFamily="2" charset="2"/>
+              </a:rPr>
+              <a:t>Teste Position mit Baumart mit möglichst </a:t>
+            </a:r>
+            <a:r>
+              <a:rPr lang="de-DE" dirty="0" smtClean="0">
+                <a:sym typeface="Wingdings" panose="05000000000000000000" pitchFamily="2" charset="2"/>
+              </a:rPr>
+              <a:t>großem Radius </a:t>
+            </a:r>
+            <a:r>
+              <a:rPr lang="de-DE" dirty="0" smtClean="0">
+                <a:sym typeface="Wingdings" panose="05000000000000000000" pitchFamily="2" charset="2"/>
+              </a:rPr>
+              <a:t>und kleinster Anzahl bisher</a:t>
             </a:r>
           </a:p>
           <a:p>
@@ -8441,10 +8583,10 @@
               <a:t>Wenn Position valide, speichere diese und generiere 2 neue mögliche </a:t>
             </a:r>
             <a:r>
-              <a:rPr lang="de-DE" dirty="0" err="1" smtClean="0">
+              <a:rPr lang="de-DE" dirty="0" smtClean="0">
                 <a:sym typeface="Wingdings" panose="05000000000000000000" pitchFamily="2" charset="2"/>
               </a:rPr>
-              <a:t>positionen</a:t>
+              <a:t>Positionen</a:t>
             </a:r>
             <a:endParaRPr lang="de-DE" dirty="0"/>
           </a:p>
@@ -8494,7 +8636,11 @@
                                           </p:stCondLst>
                                         </p:cTn>
                                         <p:tgtEl>
-                                          <p:spTgt spid="6"/>
+                                          <p:spTgt spid="6">
+                                            <p:txEl>
+                                              <p:pRg st="0" end="0"/>
+                                            </p:txEl>
+                                          </p:spTgt>
                                         </p:tgtEl>
                                         <p:attrNameLst>
                                           <p:attrName>style.visibility</p:attrName>
@@ -8526,7 +8672,7 @@
                             </p:stCondLst>
                             <p:childTnLst>
                               <p:par>
-                                <p:cTn id="9" presetID="1" presetClass="entr" presetSubtype="0" fill="hold" nodeType="clickEffect">
+                                <p:cTn id="9" presetID="1" presetClass="entr" presetSubtype="0" fill="hold" grpId="0" nodeType="clickEffect">
                                   <p:stCondLst>
                                     <p:cond delay="0"/>
                                   </p:stCondLst>
@@ -8575,7 +8721,7 @@
                             </p:stCondLst>
                             <p:childTnLst>
                               <p:par>
-                                <p:cTn id="13" presetID="1" presetClass="entr" presetSubtype="0" fill="hold" nodeType="clickEffect">
+                                <p:cTn id="13" presetID="1" presetClass="entr" presetSubtype="0" fill="hold" grpId="0" nodeType="clickEffect">
                                   <p:stCondLst>
                                     <p:cond delay="0"/>
                                   </p:stCondLst>
@@ -8605,33 +8751,15 @@
                                   </p:childTnLst>
                                 </p:cTn>
                               </p:par>
-                            </p:childTnLst>
-                          </p:cTn>
-                        </p:par>
-                      </p:childTnLst>
-                    </p:cTn>
-                  </p:par>
-                  <p:par>
-                    <p:cTn id="15" fill="hold">
-                      <p:stCondLst>
-                        <p:cond delay="indefinite"/>
-                      </p:stCondLst>
-                      <p:childTnLst>
-                        <p:par>
-                          <p:cTn id="16" fill="hold">
-                            <p:stCondLst>
-                              <p:cond delay="0"/>
-                            </p:stCondLst>
-                            <p:childTnLst>
                               <p:par>
-                                <p:cTn id="17" presetID="1" presetClass="entr" presetSubtype="0" fill="hold" nodeType="clickEffect">
+                                <p:cTn id="15" presetID="1" presetClass="entr" presetSubtype="0" fill="hold" grpId="0" nodeType="withEffect">
                                   <p:stCondLst>
                                     <p:cond delay="0"/>
                                   </p:stCondLst>
                                   <p:childTnLst>
                                     <p:set>
                                       <p:cBhvr>
-                                        <p:cTn id="18" dur="1" fill="hold">
+                                        <p:cTn id="16" dur="1" fill="hold">
                                           <p:stCondLst>
                                             <p:cond delay="0"/>
                                           </p:stCondLst>
@@ -8654,33 +8782,15 @@
                                   </p:childTnLst>
                                 </p:cTn>
                               </p:par>
-                            </p:childTnLst>
-                          </p:cTn>
-                        </p:par>
-                      </p:childTnLst>
-                    </p:cTn>
-                  </p:par>
-                  <p:par>
-                    <p:cTn id="19" fill="hold">
-                      <p:stCondLst>
-                        <p:cond delay="indefinite"/>
-                      </p:stCondLst>
-                      <p:childTnLst>
-                        <p:par>
-                          <p:cTn id="20" fill="hold">
-                            <p:stCondLst>
-                              <p:cond delay="0"/>
-                            </p:stCondLst>
-                            <p:childTnLst>
                               <p:par>
-                                <p:cTn id="21" presetID="1" presetClass="entr" presetSubtype="0" fill="hold" nodeType="clickEffect">
+                                <p:cTn id="17" presetID="1" presetClass="entr" presetSubtype="0" fill="hold" grpId="0" nodeType="withEffect">
                                   <p:stCondLst>
                                     <p:cond delay="0"/>
                                   </p:stCondLst>
                                   <p:childTnLst>
                                     <p:set>
                                       <p:cBhvr>
-                                        <p:cTn id="22" dur="1" fill="hold">
+                                        <p:cTn id="18" dur="1" fill="hold">
                                           <p:stCondLst>
                                             <p:cond delay="0"/>
                                           </p:stCondLst>
@@ -8703,33 +8813,15 @@
                                   </p:childTnLst>
                                 </p:cTn>
                               </p:par>
-                            </p:childTnLst>
-                          </p:cTn>
-                        </p:par>
-                      </p:childTnLst>
-                    </p:cTn>
-                  </p:par>
-                  <p:par>
-                    <p:cTn id="23" fill="hold">
-                      <p:stCondLst>
-                        <p:cond delay="indefinite"/>
-                      </p:stCondLst>
-                      <p:childTnLst>
-                        <p:par>
-                          <p:cTn id="24" fill="hold">
-                            <p:stCondLst>
-                              <p:cond delay="0"/>
-                            </p:stCondLst>
-                            <p:childTnLst>
                               <p:par>
-                                <p:cTn id="25" presetID="1" presetClass="entr" presetSubtype="0" fill="hold" nodeType="clickEffect">
+                                <p:cTn id="19" presetID="1" presetClass="entr" presetSubtype="0" fill="hold" grpId="0" nodeType="withEffect">
                                   <p:stCondLst>
                                     <p:cond delay="0"/>
                                   </p:stCondLst>
                                   <p:childTnLst>
                                     <p:set>
                                       <p:cBhvr>
-                                        <p:cTn id="26" dur="1" fill="hold">
+                                        <p:cTn id="20" dur="1" fill="hold">
                                           <p:stCondLst>
                                             <p:cond delay="0"/>
                                           </p:stCondLst>
@@ -8752,33 +8844,15 @@
                                   </p:childTnLst>
                                 </p:cTn>
                               </p:par>
-                            </p:childTnLst>
-                          </p:cTn>
-                        </p:par>
-                      </p:childTnLst>
-                    </p:cTn>
-                  </p:par>
-                  <p:par>
-                    <p:cTn id="27" fill="hold">
-                      <p:stCondLst>
-                        <p:cond delay="indefinite"/>
-                      </p:stCondLst>
-                      <p:childTnLst>
-                        <p:par>
-                          <p:cTn id="28" fill="hold">
-                            <p:stCondLst>
-                              <p:cond delay="0"/>
-                            </p:stCondLst>
-                            <p:childTnLst>
                               <p:par>
-                                <p:cTn id="29" presetID="1" presetClass="entr" presetSubtype="0" fill="hold" nodeType="clickEffect">
+                                <p:cTn id="21" presetID="1" presetClass="entr" presetSubtype="0" fill="hold" grpId="0" nodeType="withEffect">
                                   <p:stCondLst>
                                     <p:cond delay="0"/>
                                   </p:stCondLst>
                                   <p:childTnLst>
                                     <p:set>
                                       <p:cBhvr>
-                                        <p:cTn id="30" dur="1" fill="hold">
+                                        <p:cTn id="22" dur="1" fill="hold">
                                           <p:stCondLst>
                                             <p:cond delay="0"/>
                                           </p:stCondLst>
@@ -8801,33 +8875,15 @@
                                   </p:childTnLst>
                                 </p:cTn>
                               </p:par>
-                            </p:childTnLst>
-                          </p:cTn>
-                        </p:par>
-                      </p:childTnLst>
-                    </p:cTn>
-                  </p:par>
-                  <p:par>
-                    <p:cTn id="31" fill="hold">
-                      <p:stCondLst>
-                        <p:cond delay="indefinite"/>
-                      </p:stCondLst>
-                      <p:childTnLst>
-                        <p:par>
-                          <p:cTn id="32" fill="hold">
-                            <p:stCondLst>
-                              <p:cond delay="0"/>
-                            </p:stCondLst>
-                            <p:childTnLst>
                               <p:par>
-                                <p:cTn id="33" presetID="1" presetClass="entr" presetSubtype="0" fill="hold" nodeType="clickEffect">
+                                <p:cTn id="23" presetID="1" presetClass="entr" presetSubtype="0" fill="hold" grpId="0" nodeType="withEffect">
                                   <p:stCondLst>
                                     <p:cond delay="0"/>
                                   </p:stCondLst>
                                   <p:childTnLst>
                                     <p:set>
                                       <p:cBhvr>
-                                        <p:cTn id="34" dur="1" fill="hold">
+                                        <p:cTn id="24" dur="1" fill="hold">
                                           <p:stCondLst>
                                             <p:cond delay="0"/>
                                           </p:stCondLst>
@@ -8878,7 +8934,7 @@
       </p:par>
     </p:tnLst>
     <p:bldLst>
-      <p:bldP spid="6" grpId="0"/>
+      <p:bldP spid="6" grpId="0" build="p"/>
     </p:bldLst>
   </p:timing>
 </p:sld>
@@ -8913,6 +8969,166 @@
         </p:nvSpPr>
         <p:spPr/>
         <p:txBody>
+          <a:bodyPr/>
+          <a:lstStyle/>
+          <a:p>
+            <a:r>
+              <a:rPr lang="de-DE" dirty="0" smtClean="0"/>
+              <a:t>Beispiel</a:t>
+            </a:r>
+            <a:endParaRPr lang="de-DE" dirty="0"/>
+          </a:p>
+        </p:txBody>
+      </p:sp>
+      <p:sp>
+        <p:nvSpPr>
+          <p:cNvPr id="3" name="Datumsplatzhalter 2"/>
+          <p:cNvSpPr>
+            <a:spLocks noGrp="1"/>
+          </p:cNvSpPr>
+          <p:nvPr>
+            <p:ph type="dt" sz="half" idx="10"/>
+          </p:nvPr>
+        </p:nvSpPr>
+        <p:spPr/>
+        <p:txBody>
+          <a:bodyPr/>
+          <a:lstStyle/>
+          <a:p>
+            <a:r>
+              <a:rPr lang="de-DE" smtClean="0"/>
+              <a:t>28.01.2015</a:t>
+            </a:r>
+            <a:endParaRPr lang="de-DE"/>
+          </a:p>
+        </p:txBody>
+      </p:sp>
+      <p:sp>
+        <p:nvSpPr>
+          <p:cNvPr id="4" name="Fußzeilenplatzhalter 3"/>
+          <p:cNvSpPr>
+            <a:spLocks noGrp="1"/>
+          </p:cNvSpPr>
+          <p:nvPr>
+            <p:ph type="ftr" sz="quarter" idx="11"/>
+          </p:nvPr>
+        </p:nvSpPr>
+        <p:spPr/>
+        <p:txBody>
+          <a:bodyPr/>
+          <a:lstStyle/>
+          <a:p>
+            <a:r>
+              <a:rPr lang="de-DE" smtClean="0"/>
+              <a:t>Anton Herzog</a:t>
+            </a:r>
+            <a:endParaRPr lang="de-DE" dirty="0"/>
+          </a:p>
+        </p:txBody>
+      </p:sp>
+      <p:sp>
+        <p:nvSpPr>
+          <p:cNvPr id="5" name="Foliennummernplatzhalter 4"/>
+          <p:cNvSpPr>
+            <a:spLocks noGrp="1"/>
+          </p:cNvSpPr>
+          <p:nvPr>
+            <p:ph type="sldNum" sz="quarter" idx="12"/>
+          </p:nvPr>
+        </p:nvSpPr>
+        <p:spPr/>
+        <p:txBody>
+          <a:bodyPr/>
+          <a:lstStyle/>
+          <a:p>
+            <a:fld id="{6C6AE60A-B69C-4790-82F7-3882EDF23186}" type="slidenum">
+              <a:rPr lang="de-DE" smtClean="0"/>
+              <a:t>5</a:t>
+            </a:fld>
+            <a:endParaRPr lang="de-DE"/>
+          </a:p>
+        </p:txBody>
+      </p:sp>
+      <p:pic>
+        <p:nvPicPr>
+          <p:cNvPr id="7" name="Inhaltsplatzhalter 6"/>
+          <p:cNvPicPr>
+            <a:picLocks noGrp="1"/>
+          </p:cNvPicPr>
+          <p:nvPr>
+            <p:ph sz="quarter" idx="1"/>
+          </p:nvPr>
+        </p:nvPicPr>
+        <p:blipFill>
+          <a:blip r:embed="rId2"/>
+          <a:stretch>
+            <a:fillRect/>
+          </a:stretch>
+        </p:blipFill>
+        <p:spPr>
+          <a:xfrm>
+            <a:off x="710095" y="1694127"/>
+            <a:ext cx="7723810" cy="4238096"/>
+          </a:xfrm>
+          <a:prstGeom prst="rect">
+            <a:avLst/>
+          </a:prstGeom>
+          <a:noFill/>
+          <a:ln>
+            <a:noFill/>
+            <a:prstDash/>
+          </a:ln>
+        </p:spPr>
+      </p:pic>
+    </p:spTree>
+    <p:extLst>
+      <p:ext uri="{BB962C8B-B14F-4D97-AF65-F5344CB8AC3E}">
+        <p14:creationId xmlns:p14="http://schemas.microsoft.com/office/powerpoint/2010/main" val="482171537"/>
+      </p:ext>
+    </p:extLst>
+  </p:cSld>
+  <p:clrMapOvr>
+    <a:masterClrMapping/>
+  </p:clrMapOvr>
+  <p:timing>
+    <p:tnLst>
+      <p:par>
+        <p:cTn id="1" dur="indefinite" restart="never" nodeType="tmRoot"/>
+      </p:par>
+    </p:tnLst>
+  </p:timing>
+</p:sld>
+</file>
+
+<file path=ppt/slides/slide6.xml><?xml version="1.0" encoding="utf-8"?>
+<p:sld xmlns:a="http://schemas.openxmlformats.org/drawingml/2006/main" xmlns:r="http://schemas.openxmlformats.org/officeDocument/2006/relationships" xmlns:p="http://schemas.openxmlformats.org/presentationml/2006/main">
+  <p:cSld>
+    <p:spTree>
+      <p:nvGrpSpPr>
+        <p:cNvPr id="1" name=""/>
+        <p:cNvGrpSpPr/>
+        <p:nvPr/>
+      </p:nvGrpSpPr>
+      <p:grpSpPr>
+        <a:xfrm>
+          <a:off x="0" y="0"/>
+          <a:ext cx="0" cy="0"/>
+          <a:chOff x="0" y="0"/>
+          <a:chExt cx="0" cy="0"/>
+        </a:xfrm>
+      </p:grpSpPr>
+      <p:sp>
+        <p:nvSpPr>
+          <p:cNvPr id="2" name="Titel 1"/>
+          <p:cNvSpPr>
+            <a:spLocks noGrp="1"/>
+          </p:cNvSpPr>
+          <p:nvPr>
+            <p:ph type="title"/>
+          </p:nvPr>
+        </p:nvSpPr>
+        <p:spPr/>
+        <p:txBody>
           <a:bodyPr>
             <a:normAutofit/>
           </a:bodyPr>
@@ -8989,7 +9205,7 @@
           <a:p>
             <a:fld id="{6C6AE60A-B69C-4790-82F7-3882EDF23186}" type="slidenum">
               <a:rPr lang="de-DE" smtClean="0"/>
-              <a:t>5</a:t>
+              <a:t>6</a:t>
             </a:fld>
             <a:endParaRPr lang="de-DE"/>
           </a:p>
@@ -9227,7 +9443,7 @@
 </p:sld>
 </file>
 
-<file path=ppt/slides/slide6.xml><?xml version="1.0" encoding="utf-8"?>
+<file path=ppt/slides/slide7.xml><?xml version="1.0" encoding="utf-8"?>
 <p:sld xmlns:a="http://schemas.openxmlformats.org/drawingml/2006/main" xmlns:r="http://schemas.openxmlformats.org/officeDocument/2006/relationships" xmlns:p="http://schemas.openxmlformats.org/presentationml/2006/main">
   <p:cSld>
     <p:spTree>
@@ -9330,7 +9546,7 @@
           <a:p>
             <a:fld id="{6C6AE60A-B69C-4790-82F7-3882EDF23186}" type="slidenum">
               <a:rPr lang="de-DE" smtClean="0"/>
-              <a:t>6</a:t>
+              <a:t>7</a:t>
             </a:fld>
             <a:endParaRPr lang="de-DE"/>
           </a:p>
@@ -9795,7 +10011,7 @@
 </p:sld>
 </file>
 
-<file path=ppt/slides/slide7.xml><?xml version="1.0" encoding="utf-8"?>
+<file path=ppt/slides/slide8.xml><?xml version="1.0" encoding="utf-8"?>
 <p:sld xmlns:a="http://schemas.openxmlformats.org/drawingml/2006/main" xmlns:r="http://schemas.openxmlformats.org/officeDocument/2006/relationships" xmlns:p="http://schemas.openxmlformats.org/presentationml/2006/main">
   <p:cSld>
     <p:spTree>
@@ -9897,7 +10113,7 @@
           <a:p>
             <a:fld id="{6C6AE60A-B69C-4790-82F7-3882EDF23186}" type="slidenum">
               <a:rPr lang="de-DE" smtClean="0"/>
-              <a:t>7</a:t>
+              <a:t>8</a:t>
             </a:fld>
             <a:endParaRPr lang="de-DE"/>
           </a:p>
@@ -10136,7 +10352,7 @@
 </p:sld>
 </file>
 
-<file path=ppt/slides/slide8.xml><?xml version="1.0" encoding="utf-8"?>
+<file path=ppt/slides/slide9.xml><?xml version="1.0" encoding="utf-8"?>
 <p:sld xmlns:a="http://schemas.openxmlformats.org/drawingml/2006/main" xmlns:r="http://schemas.openxmlformats.org/officeDocument/2006/relationships" xmlns:p="http://schemas.openxmlformats.org/presentationml/2006/main">
   <p:cSld>
     <p:spTree>
@@ -10239,7 +10455,7 @@
           <a:p>
             <a:fld id="{6C6AE60A-B69C-4790-82F7-3882EDF23186}" type="slidenum">
               <a:rPr lang="de-DE" smtClean="0"/>
-              <a:t>8</a:t>
+              <a:t>9</a:t>
             </a:fld>
             <a:endParaRPr lang="de-DE"/>
           </a:p>
